--- a/AUPAC/MR.pptx
+++ b/AUPAC/MR.pptx
@@ -223,7 +223,7 @@
           <a:p>
             <a:fld id="{530B93EF-F79F-4CCD-BF37-DAB952B5E0B6}" type="datetimeFigureOut">
               <a:rPr lang="en-CA" smtClean="0"/>
-              <a:t>2020-01-18</a:t>
+              <a:t>2020-01-20</a:t>
             </a:fld>
             <a:endParaRPr lang="en-CA"/>
           </a:p>
@@ -640,7 +640,7 @@
           <a:p>
             <a:fld id="{861C93F7-1AC9-4D8D-B84F-384EBEA787F0}" type="datetimeFigureOut">
               <a:rPr lang="en-CA" smtClean="0"/>
-              <a:t>2020-01-18</a:t>
+              <a:t>2020-01-20</a:t>
             </a:fld>
             <a:endParaRPr lang="en-CA"/>
           </a:p>
@@ -840,7 +840,7 @@
           <a:p>
             <a:fld id="{861C93F7-1AC9-4D8D-B84F-384EBEA787F0}" type="datetimeFigureOut">
               <a:rPr lang="en-CA" smtClean="0"/>
-              <a:t>2020-01-18</a:t>
+              <a:t>2020-01-20</a:t>
             </a:fld>
             <a:endParaRPr lang="en-CA"/>
           </a:p>
@@ -1050,7 +1050,7 @@
           <a:p>
             <a:fld id="{861C93F7-1AC9-4D8D-B84F-384EBEA787F0}" type="datetimeFigureOut">
               <a:rPr lang="en-CA" smtClean="0"/>
-              <a:t>2020-01-18</a:t>
+              <a:t>2020-01-20</a:t>
             </a:fld>
             <a:endParaRPr lang="en-CA"/>
           </a:p>
@@ -1250,7 +1250,7 @@
           <a:p>
             <a:fld id="{861C93F7-1AC9-4D8D-B84F-384EBEA787F0}" type="datetimeFigureOut">
               <a:rPr lang="en-CA" smtClean="0"/>
-              <a:t>2020-01-18</a:t>
+              <a:t>2020-01-20</a:t>
             </a:fld>
             <a:endParaRPr lang="en-CA"/>
           </a:p>
@@ -1526,7 +1526,7 @@
           <a:p>
             <a:fld id="{861C93F7-1AC9-4D8D-B84F-384EBEA787F0}" type="datetimeFigureOut">
               <a:rPr lang="en-CA" smtClean="0"/>
-              <a:t>2020-01-18</a:t>
+              <a:t>2020-01-20</a:t>
             </a:fld>
             <a:endParaRPr lang="en-CA"/>
           </a:p>
@@ -1794,7 +1794,7 @@
           <a:p>
             <a:fld id="{861C93F7-1AC9-4D8D-B84F-384EBEA787F0}" type="datetimeFigureOut">
               <a:rPr lang="en-CA" smtClean="0"/>
-              <a:t>2020-01-18</a:t>
+              <a:t>2020-01-20</a:t>
             </a:fld>
             <a:endParaRPr lang="en-CA"/>
           </a:p>
@@ -2209,7 +2209,7 @@
           <a:p>
             <a:fld id="{861C93F7-1AC9-4D8D-B84F-384EBEA787F0}" type="datetimeFigureOut">
               <a:rPr lang="en-CA" smtClean="0"/>
-              <a:t>2020-01-18</a:t>
+              <a:t>2020-01-20</a:t>
             </a:fld>
             <a:endParaRPr lang="en-CA"/>
           </a:p>
@@ -2351,7 +2351,7 @@
           <a:p>
             <a:fld id="{861C93F7-1AC9-4D8D-B84F-384EBEA787F0}" type="datetimeFigureOut">
               <a:rPr lang="en-CA" smtClean="0"/>
-              <a:t>2020-01-18</a:t>
+              <a:t>2020-01-20</a:t>
             </a:fld>
             <a:endParaRPr lang="en-CA"/>
           </a:p>
@@ -2464,7 +2464,7 @@
           <a:p>
             <a:fld id="{861C93F7-1AC9-4D8D-B84F-384EBEA787F0}" type="datetimeFigureOut">
               <a:rPr lang="en-CA" smtClean="0"/>
-              <a:t>2020-01-18</a:t>
+              <a:t>2020-01-20</a:t>
             </a:fld>
             <a:endParaRPr lang="en-CA"/>
           </a:p>
@@ -2777,7 +2777,7 @@
           <a:p>
             <a:fld id="{861C93F7-1AC9-4D8D-B84F-384EBEA787F0}" type="datetimeFigureOut">
               <a:rPr lang="en-CA" smtClean="0"/>
-              <a:t>2020-01-18</a:t>
+              <a:t>2020-01-20</a:t>
             </a:fld>
             <a:endParaRPr lang="en-CA"/>
           </a:p>
@@ -3066,7 +3066,7 @@
           <a:p>
             <a:fld id="{861C93F7-1AC9-4D8D-B84F-384EBEA787F0}" type="datetimeFigureOut">
               <a:rPr lang="en-CA" smtClean="0"/>
-              <a:t>2020-01-18</a:t>
+              <a:t>2020-01-20</a:t>
             </a:fld>
             <a:endParaRPr lang="en-CA"/>
           </a:p>
@@ -3309,7 +3309,7 @@
           <a:p>
             <a:fld id="{861C93F7-1AC9-4D8D-B84F-384EBEA787F0}" type="datetimeFigureOut">
               <a:rPr lang="en-CA" smtClean="0"/>
-              <a:t>2020-01-18</a:t>
+              <a:t>2020-01-20</a:t>
             </a:fld>
             <a:endParaRPr lang="en-CA"/>
           </a:p>
@@ -4111,7 +4111,13 @@
           <a:bodyPr/>
           <a:lstStyle/>
           <a:p>
-            <a:endParaRPr lang="en-CA"/>
+            <a:r>
+              <a:rPr lang="en-CA" dirty="0"/>
+              <a:t>*Statistics*</a:t>
+            </a:r>
+          </a:p>
+          <a:p>
+            <a:endParaRPr lang="en-CA" dirty="0"/>
           </a:p>
         </p:txBody>
       </p:sp>
@@ -5051,8 +5057,8 @@
           </a:fontRef>
         </p:style>
       </p:cxnSp>
-      <mc:AlternateContent xmlns:mc="http://schemas.openxmlformats.org/markup-compatibility/2006" xmlns:a14="http://schemas.microsoft.com/office/drawing/2010/main">
-        <mc:Choice Requires="a14">
+      <mc:AlternateContent xmlns:mc="http://schemas.openxmlformats.org/markup-compatibility/2006">
+        <mc:Choice xmlns:a14="http://schemas.microsoft.com/office/drawing/2010/main" Requires="a14">
           <p:sp>
             <p:nvSpPr>
               <p:cNvPr id="20" name="Oval 19">
@@ -5104,11 +5110,11 @@
               <a:bodyPr rtlCol="0" anchor="ctr"/>
               <a:lstStyle/>
               <a:p>
-                <a:pPr algn="ctr"/>
+                <a:pPr/>
                 <a14:m>
                   <m:oMathPara xmlns:m="http://schemas.openxmlformats.org/officeDocument/2006/math">
                     <m:oMathParaPr>
-                      <m:jc m:val="centerGroup"/>
+                      <m:jc m:val="left"/>
                     </m:oMathParaPr>
                     <m:oMath xmlns:m="http://schemas.openxmlformats.org/officeDocument/2006/math">
                       <m:r>
@@ -5126,7 +5132,6 @@
                 </a:endParaRPr>
               </a:p>
               <a:p>
-                <a:pPr algn="ctr"/>
                 <a:r>
                   <a:rPr lang="en-CA" sz="2500" i="1" dirty="0">
                     <a:latin typeface="Times New Roman" panose="02020603050405020304" pitchFamily="18" charset="0"/>
@@ -5138,7 +5143,7 @@
             </p:txBody>
           </p:sp>
         </mc:Choice>
-        <mc:Fallback xmlns="">
+        <mc:Fallback>
           <p:sp>
             <p:nvSpPr>
               <p:cNvPr id="20" name="Oval 19">
@@ -5588,8 +5593,8 @@
           </a:p>
         </p:txBody>
       </p:sp>
-      <mc:AlternateContent xmlns:mc="http://schemas.openxmlformats.org/markup-compatibility/2006">
-        <mc:Choice xmlns:a14="http://schemas.microsoft.com/office/drawing/2010/main" Requires="a14">
+      <mc:AlternateContent xmlns:mc="http://schemas.openxmlformats.org/markup-compatibility/2006" xmlns:a14="http://schemas.microsoft.com/office/drawing/2010/main">
+        <mc:Choice Requires="a14">
           <p:sp>
             <p:nvSpPr>
               <p:cNvPr id="3" name="Content Placeholder 2">
@@ -5714,7 +5719,7 @@
             </p:txBody>
           </p:sp>
         </mc:Choice>
-        <mc:Fallback>
+        <mc:Fallback xmlns="">
           <p:sp>
             <p:nvSpPr>
               <p:cNvPr id="3" name="Content Placeholder 2">
@@ -6638,8 +6643,8 @@
           </a:p>
         </p:txBody>
       </p:sp>
-      <mc:AlternateContent xmlns:mc="http://schemas.openxmlformats.org/markup-compatibility/2006">
-        <mc:Choice xmlns:am3d="http://schemas.microsoft.com/office/drawing/2017/model3d" Requires="am3d">
+      <mc:AlternateContent xmlns:mc="http://schemas.openxmlformats.org/markup-compatibility/2006" xmlns:am3d="http://schemas.microsoft.com/office/drawing/2017/model3d">
+        <mc:Choice Requires="am3d">
           <p:graphicFrame>
             <p:nvGraphicFramePr>
               <p:cNvPr id="5" name="3D Model 4">
@@ -6729,7 +6734,7 @@
             </a:graphic>
           </p:graphicFrame>
         </mc:Choice>
-        <mc:Fallback>
+        <mc:Fallback xmlns="">
           <p:pic>
             <p:nvPicPr>
               <p:cNvPr id="5" name="3D Model 4">
@@ -6745,7 +6750,7 @@
               <p:nvPr/>
             </p:nvPicPr>
             <p:blipFill>
-              <a:blip r:embed="rId3"/>
+              <a:blip r:embed="rId4"/>
               <a:stretch>
                 <a:fillRect/>
               </a:stretch>
@@ -6762,8 +6767,8 @@
           </p:pic>
         </mc:Fallback>
       </mc:AlternateContent>
-      <mc:AlternateContent xmlns:mc="http://schemas.openxmlformats.org/markup-compatibility/2006">
-        <mc:Choice xmlns:am3d="http://schemas.microsoft.com/office/drawing/2017/model3d" Requires="am3d">
+      <mc:AlternateContent xmlns:mc="http://schemas.openxmlformats.org/markup-compatibility/2006" xmlns:am3d="http://schemas.microsoft.com/office/drawing/2017/model3d">
+        <mc:Choice Requires="am3d">
           <p:graphicFrame>
             <p:nvGraphicFramePr>
               <p:cNvPr id="6" name="3D Model 5">
@@ -6790,7 +6795,7 @@
             </p:xfrm>
             <a:graphic>
               <a:graphicData uri="http://schemas.microsoft.com/office/drawing/2017/model3d">
-                <am3d:model3d r:embed="rId4">
+                <am3d:model3d r:embed="rId5">
                   <am3d:spPr>
                     <a:xfrm rot="16865034">
                       <a:off x="0" y="0"/>
@@ -6818,7 +6823,7 @@
                     <am3d:postTrans dx="0" dy="0" dz="0"/>
                   </am3d:trans>
                   <am3d:raster rName="Office3DRenderer" rVer="16.0.8326">
-                    <am3d:blip r:embed="rId5"/>
+                    <am3d:blip r:embed="rId6"/>
                   </am3d:raster>
                   <am3d:objViewport viewportSz="3052674"/>
                   <am3d:ambientLight>
@@ -6853,7 +6858,7 @@
             </a:graphic>
           </p:graphicFrame>
         </mc:Choice>
-        <mc:Fallback>
+        <mc:Fallback xmlns="">
           <p:pic>
             <p:nvPicPr>
               <p:cNvPr id="6" name="3D Model 5">
@@ -6869,7 +6874,7 @@
               <p:nvPr/>
             </p:nvPicPr>
             <p:blipFill>
-              <a:blip r:embed="rId5"/>
+              <a:blip r:embed="rId7"/>
               <a:stretch>
                 <a:fillRect/>
               </a:stretch>
